--- a/doc/screenshot.pptx
+++ b/doc/screenshot.pptx
@@ -6,6 +6,7 @@
   </p:sldMasterIdLst>
   <p:sldIdLst>
     <p:sldId id="256" r:id="rId2"/>
+    <p:sldId id="257" r:id="rId3"/>
   </p:sldIdLst>
   <p:sldSz cx="12192000" cy="6858000"/>
   <p:notesSz cx="6858000" cy="9144000"/>
@@ -104,6 +105,11 @@
       </a:defRPr>
     </a:lvl9pPr>
   </p:defaultTextStyle>
+  <p:extLst>
+    <p:ext uri="{EFAFB233-063F-42B5-8137-9DF3F51BA10A}">
+      <p15:sldGuideLst xmlns:p15="http://schemas.microsoft.com/office/powerpoint/2012/main"/>
+    </p:ext>
+  </p:extLst>
 </p:presentation>
 </file>
 
@@ -254,7 +260,7 @@
           <a:p>
             <a:fld id="{56FA711C-7845-F947-8994-2D3843DEFE89}" type="datetimeFigureOut">
               <a:rPr lang="en-US" smtClean="0"/>
-              <a:t>7/5/18</a:t>
+              <a:t>7/8/18</a:t>
             </a:fld>
             <a:endParaRPr lang="en-US"/>
           </a:p>
@@ -452,7 +458,7 @@
           <a:p>
             <a:fld id="{56FA711C-7845-F947-8994-2D3843DEFE89}" type="datetimeFigureOut">
               <a:rPr lang="en-US" smtClean="0"/>
-              <a:t>7/5/18</a:t>
+              <a:t>7/8/18</a:t>
             </a:fld>
             <a:endParaRPr lang="en-US"/>
           </a:p>
@@ -660,7 +666,7 @@
           <a:p>
             <a:fld id="{56FA711C-7845-F947-8994-2D3843DEFE89}" type="datetimeFigureOut">
               <a:rPr lang="en-US" smtClean="0"/>
-              <a:t>7/5/18</a:t>
+              <a:t>7/8/18</a:t>
             </a:fld>
             <a:endParaRPr lang="en-US"/>
           </a:p>
@@ -858,7 +864,7 @@
           <a:p>
             <a:fld id="{56FA711C-7845-F947-8994-2D3843DEFE89}" type="datetimeFigureOut">
               <a:rPr lang="en-US" smtClean="0"/>
-              <a:t>7/5/18</a:t>
+              <a:t>7/8/18</a:t>
             </a:fld>
             <a:endParaRPr lang="en-US"/>
           </a:p>
@@ -1133,7 +1139,7 @@
           <a:p>
             <a:fld id="{56FA711C-7845-F947-8994-2D3843DEFE89}" type="datetimeFigureOut">
               <a:rPr lang="en-US" smtClean="0"/>
-              <a:t>7/5/18</a:t>
+              <a:t>7/8/18</a:t>
             </a:fld>
             <a:endParaRPr lang="en-US"/>
           </a:p>
@@ -1398,7 +1404,7 @@
           <a:p>
             <a:fld id="{56FA711C-7845-F947-8994-2D3843DEFE89}" type="datetimeFigureOut">
               <a:rPr lang="en-US" smtClean="0"/>
-              <a:t>7/5/18</a:t>
+              <a:t>7/8/18</a:t>
             </a:fld>
             <a:endParaRPr lang="en-US"/>
           </a:p>
@@ -1810,7 +1816,7 @@
           <a:p>
             <a:fld id="{56FA711C-7845-F947-8994-2D3843DEFE89}" type="datetimeFigureOut">
               <a:rPr lang="en-US" smtClean="0"/>
-              <a:t>7/5/18</a:t>
+              <a:t>7/8/18</a:t>
             </a:fld>
             <a:endParaRPr lang="en-US"/>
           </a:p>
@@ -1951,7 +1957,7 @@
           <a:p>
             <a:fld id="{56FA711C-7845-F947-8994-2D3843DEFE89}" type="datetimeFigureOut">
               <a:rPr lang="en-US" smtClean="0"/>
-              <a:t>7/5/18</a:t>
+              <a:t>7/8/18</a:t>
             </a:fld>
             <a:endParaRPr lang="en-US"/>
           </a:p>
@@ -2064,7 +2070,7 @@
           <a:p>
             <a:fld id="{56FA711C-7845-F947-8994-2D3843DEFE89}" type="datetimeFigureOut">
               <a:rPr lang="en-US" smtClean="0"/>
-              <a:t>7/5/18</a:t>
+              <a:t>7/8/18</a:t>
             </a:fld>
             <a:endParaRPr lang="en-US"/>
           </a:p>
@@ -2375,7 +2381,7 @@
           <a:p>
             <a:fld id="{56FA711C-7845-F947-8994-2D3843DEFE89}" type="datetimeFigureOut">
               <a:rPr lang="en-US" smtClean="0"/>
-              <a:t>7/5/18</a:t>
+              <a:t>7/8/18</a:t>
             </a:fld>
             <a:endParaRPr lang="en-US"/>
           </a:p>
@@ -2663,7 +2669,7 @@
           <a:p>
             <a:fld id="{56FA711C-7845-F947-8994-2D3843DEFE89}" type="datetimeFigureOut">
               <a:rPr lang="en-US" smtClean="0"/>
-              <a:t>7/5/18</a:t>
+              <a:t>7/8/18</a:t>
             </a:fld>
             <a:endParaRPr lang="en-US"/>
           </a:p>
@@ -2904,7 +2910,7 @@
           <a:p>
             <a:fld id="{56FA711C-7845-F947-8994-2D3843DEFE89}" type="datetimeFigureOut">
               <a:rPr lang="en-US" smtClean="0"/>
-              <a:t>7/5/18</a:t>
+              <a:t>7/8/18</a:t>
             </a:fld>
             <a:endParaRPr lang="en-US"/>
           </a:p>
@@ -3362,6 +3368,2304 @@
 </p:sld>
 </file>
 
+<file path=ppt/slides/slide2.xml><?xml version="1.0" encoding="utf-8"?>
+<p:sld xmlns:a="http://schemas.openxmlformats.org/drawingml/2006/main" xmlns:r="http://schemas.openxmlformats.org/officeDocument/2006/relationships" xmlns:p="http://schemas.openxmlformats.org/presentationml/2006/main">
+  <p:cSld>
+    <p:spTree>
+      <p:nvGrpSpPr>
+        <p:cNvPr id="1" name=""/>
+        <p:cNvGrpSpPr/>
+        <p:nvPr/>
+      </p:nvGrpSpPr>
+      <p:grpSpPr>
+        <a:xfrm>
+          <a:off x="0" y="0"/>
+          <a:ext cx="0" cy="0"/>
+          <a:chOff x="0" y="0"/>
+          <a:chExt cx="0" cy="0"/>
+        </a:xfrm>
+      </p:grpSpPr>
+      <p:sp>
+        <p:nvSpPr>
+          <p:cNvPr id="4" name="Rectangle 3">
+            <a:extLst>
+              <a:ext uri="{FF2B5EF4-FFF2-40B4-BE49-F238E27FC236}">
+                <a16:creationId xmlns:a16="http://schemas.microsoft.com/office/drawing/2014/main" id="{7F70B5DF-C421-F846-BA36-7C6D9D498011}"/>
+              </a:ext>
+            </a:extLst>
+          </p:cNvPr>
+          <p:cNvSpPr/>
+          <p:nvPr/>
+        </p:nvSpPr>
+        <p:spPr>
+          <a:xfrm>
+            <a:off x="593766" y="760021"/>
+            <a:ext cx="3075709" cy="5474524"/>
+          </a:xfrm>
+          <a:prstGeom prst="rect">
+            <a:avLst/>
+          </a:prstGeom>
+          <a:noFill/>
+          <a:effectLst>
+            <a:outerShdw blurRad="50800" dist="38100" dir="2700000" algn="tl" rotWithShape="0">
+              <a:prstClr val="black">
+                <a:alpha val="40000"/>
+              </a:prstClr>
+            </a:outerShdw>
+          </a:effectLst>
+        </p:spPr>
+        <p:style>
+          <a:lnRef idx="2">
+            <a:schemeClr val="accent1">
+              <a:shade val="50000"/>
+            </a:schemeClr>
+          </a:lnRef>
+          <a:fillRef idx="1">
+            <a:schemeClr val="accent1"/>
+          </a:fillRef>
+          <a:effectRef idx="0">
+            <a:schemeClr val="accent1"/>
+          </a:effectRef>
+          <a:fontRef idx="minor">
+            <a:schemeClr val="lt1"/>
+          </a:fontRef>
+        </p:style>
+        <p:txBody>
+          <a:bodyPr rtlCol="0" anchor="ctr"/>
+          <a:lstStyle/>
+          <a:p>
+            <a:pPr algn="ctr"/>
+            <a:r>
+              <a:rPr lang="en-US" dirty="0" err="1">
+                <a:solidFill>
+                  <a:schemeClr val="accent1">
+                    <a:lumMod val="75000"/>
+                  </a:schemeClr>
+                </a:solidFill>
+              </a:rPr>
+              <a:t>Splashscreen</a:t>
+            </a:r>
+            <a:endParaRPr lang="en-US" dirty="0">
+              <a:solidFill>
+                <a:schemeClr val="accent1">
+                  <a:lumMod val="75000"/>
+                </a:schemeClr>
+              </a:solidFill>
+            </a:endParaRPr>
+          </a:p>
+        </p:txBody>
+      </p:sp>
+      <p:sp>
+        <p:nvSpPr>
+          <p:cNvPr id="5" name="Rectangle 4">
+            <a:extLst>
+              <a:ext uri="{FF2B5EF4-FFF2-40B4-BE49-F238E27FC236}">
+                <a16:creationId xmlns:a16="http://schemas.microsoft.com/office/drawing/2014/main" id="{1C238418-9887-C74E-BAB6-8FEE19121426}"/>
+              </a:ext>
+            </a:extLst>
+          </p:cNvPr>
+          <p:cNvSpPr/>
+          <p:nvPr/>
+        </p:nvSpPr>
+        <p:spPr>
+          <a:xfrm>
+            <a:off x="4332329" y="760021"/>
+            <a:ext cx="3075709" cy="5474524"/>
+          </a:xfrm>
+          <a:prstGeom prst="rect">
+            <a:avLst/>
+          </a:prstGeom>
+          <a:noFill/>
+          <a:effectLst>
+            <a:outerShdw blurRad="50800" dist="38100" dir="2700000" algn="tl" rotWithShape="0">
+              <a:prstClr val="black">
+                <a:alpha val="40000"/>
+              </a:prstClr>
+            </a:outerShdw>
+          </a:effectLst>
+        </p:spPr>
+        <p:style>
+          <a:lnRef idx="2">
+            <a:schemeClr val="accent1">
+              <a:shade val="50000"/>
+            </a:schemeClr>
+          </a:lnRef>
+          <a:fillRef idx="1">
+            <a:schemeClr val="accent1"/>
+          </a:fillRef>
+          <a:effectRef idx="0">
+            <a:schemeClr val="accent1"/>
+          </a:effectRef>
+          <a:fontRef idx="minor">
+            <a:schemeClr val="lt1"/>
+          </a:fontRef>
+        </p:style>
+        <p:txBody>
+          <a:bodyPr rtlCol="0" anchor="ctr"/>
+          <a:lstStyle/>
+          <a:p>
+            <a:pPr algn="ctr"/>
+            <a:endParaRPr lang="en-US" dirty="0">
+              <a:solidFill>
+                <a:schemeClr val="accent1">
+                  <a:lumMod val="75000"/>
+                </a:schemeClr>
+              </a:solidFill>
+            </a:endParaRPr>
+          </a:p>
+        </p:txBody>
+      </p:sp>
+      <p:sp>
+        <p:nvSpPr>
+          <p:cNvPr id="6" name="Rectangle 5">
+            <a:extLst>
+              <a:ext uri="{FF2B5EF4-FFF2-40B4-BE49-F238E27FC236}">
+                <a16:creationId xmlns:a16="http://schemas.microsoft.com/office/drawing/2014/main" id="{0EBF80B3-1A1A-6F4E-BBA6-E70044495603}"/>
+              </a:ext>
+            </a:extLst>
+          </p:cNvPr>
+          <p:cNvSpPr/>
+          <p:nvPr/>
+        </p:nvSpPr>
+        <p:spPr>
+          <a:xfrm>
+            <a:off x="4332329" y="947171"/>
+            <a:ext cx="3075709" cy="795904"/>
+          </a:xfrm>
+          <a:prstGeom prst="rect">
+            <a:avLst/>
+          </a:prstGeom>
+        </p:spPr>
+        <p:style>
+          <a:lnRef idx="2">
+            <a:schemeClr val="accent1">
+              <a:shade val="50000"/>
+            </a:schemeClr>
+          </a:lnRef>
+          <a:fillRef idx="1">
+            <a:schemeClr val="accent1"/>
+          </a:fillRef>
+          <a:effectRef idx="0">
+            <a:schemeClr val="accent1"/>
+          </a:effectRef>
+          <a:fontRef idx="minor">
+            <a:schemeClr val="lt1"/>
+          </a:fontRef>
+        </p:style>
+        <p:txBody>
+          <a:bodyPr rtlCol="0" anchor="ctr"/>
+          <a:lstStyle/>
+          <a:p>
+            <a:pPr algn="ctr"/>
+            <a:endParaRPr lang="en-US"/>
+          </a:p>
+        </p:txBody>
+      </p:sp>
+      <p:sp>
+        <p:nvSpPr>
+          <p:cNvPr id="7" name="Rectangle 6">
+            <a:extLst>
+              <a:ext uri="{FF2B5EF4-FFF2-40B4-BE49-F238E27FC236}">
+                <a16:creationId xmlns:a16="http://schemas.microsoft.com/office/drawing/2014/main" id="{76711753-D8FB-564F-AEAA-3B64AA6C1388}"/>
+              </a:ext>
+            </a:extLst>
+          </p:cNvPr>
+          <p:cNvSpPr/>
+          <p:nvPr/>
+        </p:nvSpPr>
+        <p:spPr>
+          <a:xfrm>
+            <a:off x="8256629" y="760021"/>
+            <a:ext cx="3075709" cy="5474524"/>
+          </a:xfrm>
+          <a:prstGeom prst="rect">
+            <a:avLst/>
+          </a:prstGeom>
+          <a:noFill/>
+          <a:effectLst>
+            <a:outerShdw blurRad="50800" dist="38100" dir="2700000" algn="tl" rotWithShape="0">
+              <a:prstClr val="black">
+                <a:alpha val="40000"/>
+              </a:prstClr>
+            </a:outerShdw>
+          </a:effectLst>
+        </p:spPr>
+        <p:style>
+          <a:lnRef idx="2">
+            <a:schemeClr val="accent1">
+              <a:shade val="50000"/>
+            </a:schemeClr>
+          </a:lnRef>
+          <a:fillRef idx="1">
+            <a:schemeClr val="accent1"/>
+          </a:fillRef>
+          <a:effectRef idx="0">
+            <a:schemeClr val="accent1"/>
+          </a:effectRef>
+          <a:fontRef idx="minor">
+            <a:schemeClr val="lt1"/>
+          </a:fontRef>
+        </p:style>
+        <p:txBody>
+          <a:bodyPr rtlCol="0" anchor="ctr"/>
+          <a:lstStyle/>
+          <a:p>
+            <a:pPr algn="ctr"/>
+            <a:endParaRPr lang="en-US" dirty="0">
+              <a:solidFill>
+                <a:schemeClr val="accent1">
+                  <a:lumMod val="75000"/>
+                </a:schemeClr>
+              </a:solidFill>
+            </a:endParaRPr>
+          </a:p>
+        </p:txBody>
+      </p:sp>
+      <p:sp>
+        <p:nvSpPr>
+          <p:cNvPr id="8" name="Rectangle 7">
+            <a:extLst>
+              <a:ext uri="{FF2B5EF4-FFF2-40B4-BE49-F238E27FC236}">
+                <a16:creationId xmlns:a16="http://schemas.microsoft.com/office/drawing/2014/main" id="{BDF5963D-41D5-7F48-8CD4-68C0B8EF1353}"/>
+              </a:ext>
+            </a:extLst>
+          </p:cNvPr>
+          <p:cNvSpPr/>
+          <p:nvPr/>
+        </p:nvSpPr>
+        <p:spPr>
+          <a:xfrm>
+            <a:off x="8256629" y="760021"/>
+            <a:ext cx="3075709" cy="983054"/>
+          </a:xfrm>
+          <a:prstGeom prst="rect">
+            <a:avLst/>
+          </a:prstGeom>
+        </p:spPr>
+        <p:style>
+          <a:lnRef idx="2">
+            <a:schemeClr val="accent1">
+              <a:shade val="50000"/>
+            </a:schemeClr>
+          </a:lnRef>
+          <a:fillRef idx="1">
+            <a:schemeClr val="accent1"/>
+          </a:fillRef>
+          <a:effectRef idx="0">
+            <a:schemeClr val="accent1"/>
+          </a:effectRef>
+          <a:fontRef idx="minor">
+            <a:schemeClr val="lt1"/>
+          </a:fontRef>
+        </p:style>
+        <p:txBody>
+          <a:bodyPr rtlCol="0" anchor="ctr"/>
+          <a:lstStyle/>
+          <a:p>
+            <a:pPr algn="ctr"/>
+            <a:endParaRPr lang="en-US"/>
+          </a:p>
+        </p:txBody>
+      </p:sp>
+      <p:sp>
+        <p:nvSpPr>
+          <p:cNvPr id="9" name="Rectangle 8">
+            <a:extLst>
+              <a:ext uri="{FF2B5EF4-FFF2-40B4-BE49-F238E27FC236}">
+                <a16:creationId xmlns:a16="http://schemas.microsoft.com/office/drawing/2014/main" id="{2E2F38F4-145E-3545-82EB-3760FC6FC6BA}"/>
+              </a:ext>
+            </a:extLst>
+          </p:cNvPr>
+          <p:cNvSpPr/>
+          <p:nvPr/>
+        </p:nvSpPr>
+        <p:spPr>
+          <a:xfrm>
+            <a:off x="8256629" y="760021"/>
+            <a:ext cx="2530434" cy="5474524"/>
+          </a:xfrm>
+          <a:prstGeom prst="rect">
+            <a:avLst/>
+          </a:prstGeom>
+          <a:solidFill>
+            <a:schemeClr val="bg1"/>
+          </a:solidFill>
+        </p:spPr>
+        <p:style>
+          <a:lnRef idx="2">
+            <a:schemeClr val="accent1">
+              <a:shade val="50000"/>
+            </a:schemeClr>
+          </a:lnRef>
+          <a:fillRef idx="1">
+            <a:schemeClr val="accent1"/>
+          </a:fillRef>
+          <a:effectRef idx="0">
+            <a:schemeClr val="accent1"/>
+          </a:effectRef>
+          <a:fontRef idx="minor">
+            <a:schemeClr val="lt1"/>
+          </a:fontRef>
+        </p:style>
+        <p:txBody>
+          <a:bodyPr rtlCol="0" anchor="ctr"/>
+          <a:lstStyle/>
+          <a:p>
+            <a:pPr algn="ctr"/>
+            <a:endParaRPr lang="en-US"/>
+          </a:p>
+        </p:txBody>
+      </p:sp>
+      <p:sp>
+        <p:nvSpPr>
+          <p:cNvPr id="10" name="Rectangle 9">
+            <a:extLst>
+              <a:ext uri="{FF2B5EF4-FFF2-40B4-BE49-F238E27FC236}">
+                <a16:creationId xmlns:a16="http://schemas.microsoft.com/office/drawing/2014/main" id="{2E658BF7-8315-004B-9DA7-B044518A6027}"/>
+              </a:ext>
+            </a:extLst>
+          </p:cNvPr>
+          <p:cNvSpPr/>
+          <p:nvPr/>
+        </p:nvSpPr>
+        <p:spPr>
+          <a:xfrm>
+            <a:off x="8256629" y="760021"/>
+            <a:ext cx="715921" cy="5474524"/>
+          </a:xfrm>
+          <a:prstGeom prst="rect">
+            <a:avLst/>
+          </a:prstGeom>
+          <a:solidFill>
+            <a:schemeClr val="bg1">
+              <a:lumMod val="95000"/>
+            </a:schemeClr>
+          </a:solidFill>
+          <a:ln>
+            <a:solidFill>
+              <a:schemeClr val="bg1">
+                <a:lumMod val="95000"/>
+              </a:schemeClr>
+            </a:solidFill>
+          </a:ln>
+        </p:spPr>
+        <p:style>
+          <a:lnRef idx="2">
+            <a:schemeClr val="accent1">
+              <a:shade val="50000"/>
+            </a:schemeClr>
+          </a:lnRef>
+          <a:fillRef idx="1">
+            <a:schemeClr val="accent1"/>
+          </a:fillRef>
+          <a:effectRef idx="0">
+            <a:schemeClr val="accent1"/>
+          </a:effectRef>
+          <a:fontRef idx="minor">
+            <a:schemeClr val="lt1"/>
+          </a:fontRef>
+        </p:style>
+        <p:txBody>
+          <a:bodyPr rtlCol="0" anchor="ctr"/>
+          <a:lstStyle/>
+          <a:p>
+            <a:pPr algn="ctr"/>
+            <a:endParaRPr lang="en-US"/>
+          </a:p>
+        </p:txBody>
+      </p:sp>
+      <p:sp>
+        <p:nvSpPr>
+          <p:cNvPr id="11" name="Oval 10">
+            <a:extLst>
+              <a:ext uri="{FF2B5EF4-FFF2-40B4-BE49-F238E27FC236}">
+                <a16:creationId xmlns:a16="http://schemas.microsoft.com/office/drawing/2014/main" id="{3E413E94-10E7-2248-9B4F-F0E47E79A0E6}"/>
+              </a:ext>
+            </a:extLst>
+          </p:cNvPr>
+          <p:cNvSpPr/>
+          <p:nvPr/>
+        </p:nvSpPr>
+        <p:spPr>
+          <a:xfrm>
+            <a:off x="8427370" y="1070110"/>
+            <a:ext cx="367838" cy="338799"/>
+          </a:xfrm>
+          <a:prstGeom prst="ellipse">
+            <a:avLst/>
+          </a:prstGeom>
+        </p:spPr>
+        <p:style>
+          <a:lnRef idx="2">
+            <a:schemeClr val="accent1">
+              <a:shade val="50000"/>
+            </a:schemeClr>
+          </a:lnRef>
+          <a:fillRef idx="1">
+            <a:schemeClr val="accent1"/>
+          </a:fillRef>
+          <a:effectRef idx="0">
+            <a:schemeClr val="accent1"/>
+          </a:effectRef>
+          <a:fontRef idx="minor">
+            <a:schemeClr val="lt1"/>
+          </a:fontRef>
+        </p:style>
+        <p:txBody>
+          <a:bodyPr rtlCol="0" anchor="ctr"/>
+          <a:lstStyle/>
+          <a:p>
+            <a:pPr algn="ctr"/>
+            <a:r>
+              <a:rPr lang="en-US" sz="1200" dirty="0"/>
+              <a:t>A</a:t>
+            </a:r>
+          </a:p>
+        </p:txBody>
+      </p:sp>
+      <p:sp>
+        <p:nvSpPr>
+          <p:cNvPr id="12" name="Oval 11">
+            <a:extLst>
+              <a:ext uri="{FF2B5EF4-FFF2-40B4-BE49-F238E27FC236}">
+                <a16:creationId xmlns:a16="http://schemas.microsoft.com/office/drawing/2014/main" id="{0CB79C79-786C-684A-8AC9-C532A7A2D90E}"/>
+              </a:ext>
+            </a:extLst>
+          </p:cNvPr>
+          <p:cNvSpPr/>
+          <p:nvPr/>
+        </p:nvSpPr>
+        <p:spPr>
+          <a:xfrm>
+            <a:off x="8427370" y="1612561"/>
+            <a:ext cx="367838" cy="338799"/>
+          </a:xfrm>
+          <a:prstGeom prst="ellipse">
+            <a:avLst/>
+          </a:prstGeom>
+        </p:spPr>
+        <p:style>
+          <a:lnRef idx="2">
+            <a:schemeClr val="accent1">
+              <a:shade val="50000"/>
+            </a:schemeClr>
+          </a:lnRef>
+          <a:fillRef idx="1">
+            <a:schemeClr val="accent1"/>
+          </a:fillRef>
+          <a:effectRef idx="0">
+            <a:schemeClr val="accent1"/>
+          </a:effectRef>
+          <a:fontRef idx="minor">
+            <a:schemeClr val="lt1"/>
+          </a:fontRef>
+        </p:style>
+        <p:txBody>
+          <a:bodyPr rtlCol="0" anchor="ctr"/>
+          <a:lstStyle/>
+          <a:p>
+            <a:pPr algn="ctr"/>
+            <a:r>
+              <a:rPr lang="en-US" sz="1200" dirty="0"/>
+              <a:t>+</a:t>
+            </a:r>
+          </a:p>
+        </p:txBody>
+      </p:sp>
+      <p:sp>
+        <p:nvSpPr>
+          <p:cNvPr id="14" name="Oval 13">
+            <a:extLst>
+              <a:ext uri="{FF2B5EF4-FFF2-40B4-BE49-F238E27FC236}">
+                <a16:creationId xmlns:a16="http://schemas.microsoft.com/office/drawing/2014/main" id="{F1729993-D90B-4643-99BD-CF3E5AA8C68C}"/>
+              </a:ext>
+            </a:extLst>
+          </p:cNvPr>
+          <p:cNvSpPr/>
+          <p:nvPr/>
+        </p:nvSpPr>
+        <p:spPr>
+          <a:xfrm>
+            <a:off x="8427370" y="5385801"/>
+            <a:ext cx="367838" cy="338799"/>
+          </a:xfrm>
+          <a:prstGeom prst="ellipse">
+            <a:avLst/>
+          </a:prstGeom>
+        </p:spPr>
+        <p:style>
+          <a:lnRef idx="2">
+            <a:schemeClr val="accent1">
+              <a:shade val="50000"/>
+            </a:schemeClr>
+          </a:lnRef>
+          <a:fillRef idx="1">
+            <a:schemeClr val="accent1"/>
+          </a:fillRef>
+          <a:effectRef idx="0">
+            <a:schemeClr val="accent1"/>
+          </a:effectRef>
+          <a:fontRef idx="minor">
+            <a:schemeClr val="lt1"/>
+          </a:fontRef>
+        </p:style>
+        <p:txBody>
+          <a:bodyPr rtlCol="0" anchor="ctr"/>
+          <a:lstStyle/>
+          <a:p>
+            <a:pPr algn="ctr"/>
+            <a:r>
+              <a:rPr lang="en-US" sz="1200" dirty="0"/>
+              <a:t>?</a:t>
+            </a:r>
+          </a:p>
+        </p:txBody>
+      </p:sp>
+      <p:sp>
+        <p:nvSpPr>
+          <p:cNvPr id="15" name="Sun 14">
+            <a:extLst>
+              <a:ext uri="{FF2B5EF4-FFF2-40B4-BE49-F238E27FC236}">
+                <a16:creationId xmlns:a16="http://schemas.microsoft.com/office/drawing/2014/main" id="{53060CB2-F017-754B-AD2E-8428FBEE8470}"/>
+              </a:ext>
+            </a:extLst>
+          </p:cNvPr>
+          <p:cNvSpPr/>
+          <p:nvPr/>
+        </p:nvSpPr>
+        <p:spPr>
+          <a:xfrm>
+            <a:off x="8423268" y="5821598"/>
+            <a:ext cx="371940" cy="377072"/>
+          </a:xfrm>
+          <a:prstGeom prst="sun">
+            <a:avLst/>
+          </a:prstGeom>
+          <a:solidFill>
+            <a:schemeClr val="bg2">
+              <a:lumMod val="75000"/>
+            </a:schemeClr>
+          </a:solidFill>
+          <a:ln>
+            <a:noFill/>
+          </a:ln>
+        </p:spPr>
+        <p:style>
+          <a:lnRef idx="2">
+            <a:schemeClr val="accent1">
+              <a:shade val="50000"/>
+            </a:schemeClr>
+          </a:lnRef>
+          <a:fillRef idx="1">
+            <a:schemeClr val="accent1"/>
+          </a:fillRef>
+          <a:effectRef idx="0">
+            <a:schemeClr val="accent1"/>
+          </a:effectRef>
+          <a:fontRef idx="minor">
+            <a:schemeClr val="lt1"/>
+          </a:fontRef>
+        </p:style>
+        <p:txBody>
+          <a:bodyPr rtlCol="0" anchor="ctr"/>
+          <a:lstStyle/>
+          <a:p>
+            <a:pPr algn="ctr"/>
+            <a:endParaRPr lang="en-US"/>
+          </a:p>
+        </p:txBody>
+      </p:sp>
+      <p:sp>
+        <p:nvSpPr>
+          <p:cNvPr id="17" name="TextBox 16">
+            <a:extLst>
+              <a:ext uri="{FF2B5EF4-FFF2-40B4-BE49-F238E27FC236}">
+                <a16:creationId xmlns:a16="http://schemas.microsoft.com/office/drawing/2014/main" id="{FFC07A1F-2FA4-5649-B65E-3380D43B0F99}"/>
+              </a:ext>
+            </a:extLst>
+          </p:cNvPr>
+          <p:cNvSpPr txBox="1"/>
+          <p:nvPr/>
+        </p:nvSpPr>
+        <p:spPr>
+          <a:xfrm>
+            <a:off x="8965949" y="1006887"/>
+            <a:ext cx="1814513" cy="261610"/>
+          </a:xfrm>
+          <a:prstGeom prst="rect">
+            <a:avLst/>
+          </a:prstGeom>
+          <a:noFill/>
+        </p:spPr>
+        <p:txBody>
+          <a:bodyPr wrap="square" rtlCol="0">
+            <a:spAutoFit/>
+          </a:bodyPr>
+          <a:lstStyle/>
+          <a:p>
+            <a:r>
+              <a:rPr lang="en-US" sz="1050" dirty="0">
+                <a:solidFill>
+                  <a:schemeClr val="tx1">
+                    <a:lumMod val="75000"/>
+                    <a:lumOff val="25000"/>
+                  </a:schemeClr>
+                </a:solidFill>
+              </a:rPr>
+              <a:t>Form Name</a:t>
+            </a:r>
+          </a:p>
+        </p:txBody>
+      </p:sp>
+      <p:cxnSp>
+        <p:nvCxnSpPr>
+          <p:cNvPr id="19" name="Straight Connector 18">
+            <a:extLst>
+              <a:ext uri="{FF2B5EF4-FFF2-40B4-BE49-F238E27FC236}">
+                <a16:creationId xmlns:a16="http://schemas.microsoft.com/office/drawing/2014/main" id="{E6A60506-2452-2244-97B0-EB20BFF52D10}"/>
+              </a:ext>
+            </a:extLst>
+          </p:cNvPr>
+          <p:cNvCxnSpPr>
+            <a:cxnSpLocks/>
+          </p:cNvCxnSpPr>
+          <p:nvPr/>
+        </p:nvCxnSpPr>
+        <p:spPr>
+          <a:xfrm>
+            <a:off x="8965948" y="1358110"/>
+            <a:ext cx="1814513" cy="0"/>
+          </a:xfrm>
+          <a:prstGeom prst="line">
+            <a:avLst/>
+          </a:prstGeom>
+          <a:ln>
+            <a:solidFill>
+              <a:schemeClr val="bg1">
+                <a:lumMod val="85000"/>
+              </a:schemeClr>
+            </a:solidFill>
+          </a:ln>
+        </p:spPr>
+        <p:style>
+          <a:lnRef idx="1">
+            <a:schemeClr val="accent1"/>
+          </a:lnRef>
+          <a:fillRef idx="0">
+            <a:schemeClr val="accent1"/>
+          </a:fillRef>
+          <a:effectRef idx="0">
+            <a:schemeClr val="accent1"/>
+          </a:effectRef>
+          <a:fontRef idx="minor">
+            <a:schemeClr val="tx1"/>
+          </a:fontRef>
+        </p:style>
+      </p:cxnSp>
+      <p:grpSp>
+        <p:nvGrpSpPr>
+          <p:cNvPr id="29" name="Group 28">
+            <a:extLst>
+              <a:ext uri="{FF2B5EF4-FFF2-40B4-BE49-F238E27FC236}">
+                <a16:creationId xmlns:a16="http://schemas.microsoft.com/office/drawing/2014/main" id="{48159CA0-076A-454F-A2AB-A4168ADFE247}"/>
+              </a:ext>
+            </a:extLst>
+          </p:cNvPr>
+          <p:cNvGrpSpPr/>
+          <p:nvPr/>
+        </p:nvGrpSpPr>
+        <p:grpSpPr>
+          <a:xfrm>
+            <a:off x="8965946" y="1370926"/>
+            <a:ext cx="1821774" cy="882406"/>
+            <a:chOff x="8965946" y="1370926"/>
+            <a:chExt cx="1821774" cy="882406"/>
+          </a:xfrm>
+        </p:grpSpPr>
+        <p:sp>
+          <p:nvSpPr>
+            <p:cNvPr id="21" name="TextBox 20">
+              <a:extLst>
+                <a:ext uri="{FF2B5EF4-FFF2-40B4-BE49-F238E27FC236}">
+                  <a16:creationId xmlns:a16="http://schemas.microsoft.com/office/drawing/2014/main" id="{283636A7-BC9F-2A41-919E-4ACCB95E47EA}"/>
+                </a:ext>
+              </a:extLst>
+            </p:cNvPr>
+            <p:cNvSpPr txBox="1"/>
+            <p:nvPr/>
+          </p:nvSpPr>
+          <p:spPr>
+            <a:xfrm>
+              <a:off x="8965947" y="1617668"/>
+              <a:ext cx="1814513" cy="261610"/>
+            </a:xfrm>
+            <a:prstGeom prst="rect">
+              <a:avLst/>
+            </a:prstGeom>
+            <a:noFill/>
+          </p:spPr>
+          <p:txBody>
+            <a:bodyPr wrap="square" rtlCol="0">
+              <a:spAutoFit/>
+            </a:bodyPr>
+            <a:lstStyle/>
+            <a:p>
+              <a:r>
+                <a:rPr lang="en-US" sz="1050" dirty="0">
+                  <a:solidFill>
+                    <a:schemeClr val="tx1">
+                      <a:lumMod val="75000"/>
+                      <a:lumOff val="25000"/>
+                    </a:schemeClr>
+                  </a:solidFill>
+                </a:rPr>
+                <a:t>Add Item</a:t>
+              </a:r>
+            </a:p>
+          </p:txBody>
+        </p:sp>
+        <p:cxnSp>
+          <p:nvCxnSpPr>
+            <p:cNvPr id="23" name="Straight Connector 22">
+              <a:extLst>
+                <a:ext uri="{FF2B5EF4-FFF2-40B4-BE49-F238E27FC236}">
+                  <a16:creationId xmlns:a16="http://schemas.microsoft.com/office/drawing/2014/main" id="{EAA9BA14-57AB-D44F-83E1-64B4AF22C0C3}"/>
+                </a:ext>
+              </a:extLst>
+            </p:cNvPr>
+            <p:cNvCxnSpPr>
+              <a:cxnSpLocks/>
+            </p:cNvCxnSpPr>
+            <p:nvPr/>
+          </p:nvCxnSpPr>
+          <p:spPr>
+            <a:xfrm>
+              <a:off x="8965946" y="1912586"/>
+              <a:ext cx="1814513" cy="0"/>
+            </a:xfrm>
+            <a:prstGeom prst="line">
+              <a:avLst/>
+            </a:prstGeom>
+            <a:ln>
+              <a:solidFill>
+                <a:schemeClr val="bg1">
+                  <a:lumMod val="85000"/>
+                </a:schemeClr>
+              </a:solidFill>
+            </a:ln>
+          </p:spPr>
+          <p:style>
+            <a:lnRef idx="1">
+              <a:schemeClr val="accent1"/>
+            </a:lnRef>
+            <a:fillRef idx="0">
+              <a:schemeClr val="accent1"/>
+            </a:fillRef>
+            <a:effectRef idx="0">
+              <a:schemeClr val="accent1"/>
+            </a:effectRef>
+            <a:fontRef idx="minor">
+              <a:schemeClr val="tx1"/>
+            </a:fontRef>
+          </p:style>
+        </p:cxnSp>
+        <p:sp>
+          <p:nvSpPr>
+            <p:cNvPr id="24" name="TextBox 23">
+              <a:extLst>
+                <a:ext uri="{FF2B5EF4-FFF2-40B4-BE49-F238E27FC236}">
+                  <a16:creationId xmlns:a16="http://schemas.microsoft.com/office/drawing/2014/main" id="{F2A92958-3103-8A4D-8221-44C451B6BB2A}"/>
+                </a:ext>
+              </a:extLst>
+            </p:cNvPr>
+            <p:cNvSpPr txBox="1"/>
+            <p:nvPr/>
+          </p:nvSpPr>
+          <p:spPr>
+            <a:xfrm>
+              <a:off x="8972550" y="1936643"/>
+              <a:ext cx="1814513" cy="261610"/>
+            </a:xfrm>
+            <a:prstGeom prst="rect">
+              <a:avLst/>
+            </a:prstGeom>
+            <a:noFill/>
+          </p:spPr>
+          <p:txBody>
+            <a:bodyPr wrap="square" rtlCol="0">
+              <a:spAutoFit/>
+            </a:bodyPr>
+            <a:lstStyle/>
+            <a:p>
+              <a:r>
+                <a:rPr lang="en-US" sz="1050" dirty="0">
+                  <a:solidFill>
+                    <a:schemeClr val="tx1">
+                      <a:lumMod val="75000"/>
+                      <a:lumOff val="25000"/>
+                    </a:schemeClr>
+                  </a:solidFill>
+                </a:rPr>
+                <a:t>Manage Item</a:t>
+              </a:r>
+            </a:p>
+          </p:txBody>
+        </p:sp>
+        <p:cxnSp>
+          <p:nvCxnSpPr>
+            <p:cNvPr id="25" name="Straight Connector 24">
+              <a:extLst>
+                <a:ext uri="{FF2B5EF4-FFF2-40B4-BE49-F238E27FC236}">
+                  <a16:creationId xmlns:a16="http://schemas.microsoft.com/office/drawing/2014/main" id="{85B4F3F4-5FAB-7849-949A-51FD3AF3CCBF}"/>
+                </a:ext>
+              </a:extLst>
+            </p:cNvPr>
+            <p:cNvCxnSpPr>
+              <a:cxnSpLocks/>
+            </p:cNvCxnSpPr>
+            <p:nvPr/>
+          </p:nvCxnSpPr>
+          <p:spPr>
+            <a:xfrm>
+              <a:off x="8972549" y="2253332"/>
+              <a:ext cx="1814513" cy="0"/>
+            </a:xfrm>
+            <a:prstGeom prst="line">
+              <a:avLst/>
+            </a:prstGeom>
+            <a:ln>
+              <a:solidFill>
+                <a:schemeClr val="bg1">
+                  <a:lumMod val="85000"/>
+                </a:schemeClr>
+              </a:solidFill>
+            </a:ln>
+          </p:spPr>
+          <p:style>
+            <a:lnRef idx="1">
+              <a:schemeClr val="accent1"/>
+            </a:lnRef>
+            <a:fillRef idx="0">
+              <a:schemeClr val="accent1"/>
+            </a:fillRef>
+            <a:effectRef idx="0">
+              <a:schemeClr val="accent1"/>
+            </a:effectRef>
+            <a:fontRef idx="minor">
+              <a:schemeClr val="tx1"/>
+            </a:fontRef>
+          </p:style>
+        </p:cxnSp>
+        <p:sp>
+          <p:nvSpPr>
+            <p:cNvPr id="28" name="TextBox 27">
+              <a:extLst>
+                <a:ext uri="{FF2B5EF4-FFF2-40B4-BE49-F238E27FC236}">
+                  <a16:creationId xmlns:a16="http://schemas.microsoft.com/office/drawing/2014/main" id="{12252846-1CB0-294F-9A6B-135485D26579}"/>
+                </a:ext>
+              </a:extLst>
+            </p:cNvPr>
+            <p:cNvSpPr txBox="1"/>
+            <p:nvPr/>
+          </p:nvSpPr>
+          <p:spPr>
+            <a:xfrm>
+              <a:off x="8973207" y="1370926"/>
+              <a:ext cx="1814513" cy="261610"/>
+            </a:xfrm>
+            <a:prstGeom prst="rect">
+              <a:avLst/>
+            </a:prstGeom>
+            <a:noFill/>
+          </p:spPr>
+          <p:txBody>
+            <a:bodyPr wrap="square" rtlCol="0">
+              <a:spAutoFit/>
+            </a:bodyPr>
+            <a:lstStyle/>
+            <a:p>
+              <a:r>
+                <a:rPr lang="en-US" sz="1050" b="1" dirty="0">
+                  <a:solidFill>
+                    <a:schemeClr val="tx1">
+                      <a:lumMod val="75000"/>
+                      <a:lumOff val="25000"/>
+                    </a:schemeClr>
+                  </a:solidFill>
+                </a:rPr>
+                <a:t>Item</a:t>
+              </a:r>
+            </a:p>
+          </p:txBody>
+        </p:sp>
+      </p:grpSp>
+      <p:grpSp>
+        <p:nvGrpSpPr>
+          <p:cNvPr id="30" name="Group 29">
+            <a:extLst>
+              <a:ext uri="{FF2B5EF4-FFF2-40B4-BE49-F238E27FC236}">
+                <a16:creationId xmlns:a16="http://schemas.microsoft.com/office/drawing/2014/main" id="{392B3370-DFDE-B140-A3A7-3B819D013F90}"/>
+              </a:ext>
+            </a:extLst>
+          </p:cNvPr>
+          <p:cNvGrpSpPr/>
+          <p:nvPr/>
+        </p:nvGrpSpPr>
+        <p:grpSpPr>
+          <a:xfrm>
+            <a:off x="8972549" y="2299533"/>
+            <a:ext cx="1821774" cy="882406"/>
+            <a:chOff x="8965946" y="1370926"/>
+            <a:chExt cx="1821774" cy="882406"/>
+          </a:xfrm>
+        </p:grpSpPr>
+        <p:sp>
+          <p:nvSpPr>
+            <p:cNvPr id="31" name="TextBox 30">
+              <a:extLst>
+                <a:ext uri="{FF2B5EF4-FFF2-40B4-BE49-F238E27FC236}">
+                  <a16:creationId xmlns:a16="http://schemas.microsoft.com/office/drawing/2014/main" id="{A7BC08D1-ECEA-4C4E-B0D4-ABD4BD817BB6}"/>
+                </a:ext>
+              </a:extLst>
+            </p:cNvPr>
+            <p:cNvSpPr txBox="1"/>
+            <p:nvPr/>
+          </p:nvSpPr>
+          <p:spPr>
+            <a:xfrm>
+              <a:off x="8965947" y="1617668"/>
+              <a:ext cx="1814513" cy="261610"/>
+            </a:xfrm>
+            <a:prstGeom prst="rect">
+              <a:avLst/>
+            </a:prstGeom>
+            <a:noFill/>
+          </p:spPr>
+          <p:txBody>
+            <a:bodyPr wrap="square" rtlCol="0">
+              <a:spAutoFit/>
+            </a:bodyPr>
+            <a:lstStyle/>
+            <a:p>
+              <a:r>
+                <a:rPr lang="en-US" sz="1050" dirty="0">
+                  <a:solidFill>
+                    <a:schemeClr val="tx1">
+                      <a:lumMod val="75000"/>
+                      <a:lumOff val="25000"/>
+                    </a:schemeClr>
+                  </a:solidFill>
+                </a:rPr>
+                <a:t>Add Bill</a:t>
+              </a:r>
+            </a:p>
+          </p:txBody>
+        </p:sp>
+        <p:cxnSp>
+          <p:nvCxnSpPr>
+            <p:cNvPr id="32" name="Straight Connector 31">
+              <a:extLst>
+                <a:ext uri="{FF2B5EF4-FFF2-40B4-BE49-F238E27FC236}">
+                  <a16:creationId xmlns:a16="http://schemas.microsoft.com/office/drawing/2014/main" id="{9E60ABDF-397C-EC4B-B912-5B6FFF68FD86}"/>
+                </a:ext>
+              </a:extLst>
+            </p:cNvPr>
+            <p:cNvCxnSpPr>
+              <a:cxnSpLocks/>
+            </p:cNvCxnSpPr>
+            <p:nvPr/>
+          </p:nvCxnSpPr>
+          <p:spPr>
+            <a:xfrm>
+              <a:off x="8965946" y="1912586"/>
+              <a:ext cx="1814513" cy="0"/>
+            </a:xfrm>
+            <a:prstGeom prst="line">
+              <a:avLst/>
+            </a:prstGeom>
+            <a:ln>
+              <a:solidFill>
+                <a:schemeClr val="bg1">
+                  <a:lumMod val="85000"/>
+                </a:schemeClr>
+              </a:solidFill>
+            </a:ln>
+          </p:spPr>
+          <p:style>
+            <a:lnRef idx="1">
+              <a:schemeClr val="accent1"/>
+            </a:lnRef>
+            <a:fillRef idx="0">
+              <a:schemeClr val="accent1"/>
+            </a:fillRef>
+            <a:effectRef idx="0">
+              <a:schemeClr val="accent1"/>
+            </a:effectRef>
+            <a:fontRef idx="minor">
+              <a:schemeClr val="tx1"/>
+            </a:fontRef>
+          </p:style>
+        </p:cxnSp>
+        <p:sp>
+          <p:nvSpPr>
+            <p:cNvPr id="33" name="TextBox 32">
+              <a:extLst>
+                <a:ext uri="{FF2B5EF4-FFF2-40B4-BE49-F238E27FC236}">
+                  <a16:creationId xmlns:a16="http://schemas.microsoft.com/office/drawing/2014/main" id="{44FE26E5-B508-B048-90B3-BF1EB5208D2E}"/>
+                </a:ext>
+              </a:extLst>
+            </p:cNvPr>
+            <p:cNvSpPr txBox="1"/>
+            <p:nvPr/>
+          </p:nvSpPr>
+          <p:spPr>
+            <a:xfrm>
+              <a:off x="8972550" y="1936643"/>
+              <a:ext cx="1814513" cy="261610"/>
+            </a:xfrm>
+            <a:prstGeom prst="rect">
+              <a:avLst/>
+            </a:prstGeom>
+            <a:noFill/>
+          </p:spPr>
+          <p:txBody>
+            <a:bodyPr wrap="square" rtlCol="0">
+              <a:spAutoFit/>
+            </a:bodyPr>
+            <a:lstStyle/>
+            <a:p>
+              <a:r>
+                <a:rPr lang="en-US" sz="1050" dirty="0">
+                  <a:solidFill>
+                    <a:schemeClr val="tx1">
+                      <a:lumMod val="75000"/>
+                      <a:lumOff val="25000"/>
+                    </a:schemeClr>
+                  </a:solidFill>
+                </a:rPr>
+                <a:t>Manage Bill</a:t>
+              </a:r>
+            </a:p>
+          </p:txBody>
+        </p:sp>
+        <p:cxnSp>
+          <p:nvCxnSpPr>
+            <p:cNvPr id="34" name="Straight Connector 33">
+              <a:extLst>
+                <a:ext uri="{FF2B5EF4-FFF2-40B4-BE49-F238E27FC236}">
+                  <a16:creationId xmlns:a16="http://schemas.microsoft.com/office/drawing/2014/main" id="{34428033-3F4C-FE45-9466-9D96AF3BAB80}"/>
+                </a:ext>
+              </a:extLst>
+            </p:cNvPr>
+            <p:cNvCxnSpPr>
+              <a:cxnSpLocks/>
+            </p:cNvCxnSpPr>
+            <p:nvPr/>
+          </p:nvCxnSpPr>
+          <p:spPr>
+            <a:xfrm>
+              <a:off x="8972549" y="2253332"/>
+              <a:ext cx="1814513" cy="0"/>
+            </a:xfrm>
+            <a:prstGeom prst="line">
+              <a:avLst/>
+            </a:prstGeom>
+            <a:ln>
+              <a:solidFill>
+                <a:schemeClr val="bg1">
+                  <a:lumMod val="85000"/>
+                </a:schemeClr>
+              </a:solidFill>
+            </a:ln>
+          </p:spPr>
+          <p:style>
+            <a:lnRef idx="1">
+              <a:schemeClr val="accent1"/>
+            </a:lnRef>
+            <a:fillRef idx="0">
+              <a:schemeClr val="accent1"/>
+            </a:fillRef>
+            <a:effectRef idx="0">
+              <a:schemeClr val="accent1"/>
+            </a:effectRef>
+            <a:fontRef idx="minor">
+              <a:schemeClr val="tx1"/>
+            </a:fontRef>
+          </p:style>
+        </p:cxnSp>
+        <p:sp>
+          <p:nvSpPr>
+            <p:cNvPr id="35" name="TextBox 34">
+              <a:extLst>
+                <a:ext uri="{FF2B5EF4-FFF2-40B4-BE49-F238E27FC236}">
+                  <a16:creationId xmlns:a16="http://schemas.microsoft.com/office/drawing/2014/main" id="{B0870FE1-E72F-F049-8E56-1D6860CAFA89}"/>
+                </a:ext>
+              </a:extLst>
+            </p:cNvPr>
+            <p:cNvSpPr txBox="1"/>
+            <p:nvPr/>
+          </p:nvSpPr>
+          <p:spPr>
+            <a:xfrm>
+              <a:off x="8973207" y="1370926"/>
+              <a:ext cx="1814513" cy="261610"/>
+            </a:xfrm>
+            <a:prstGeom prst="rect">
+              <a:avLst/>
+            </a:prstGeom>
+            <a:noFill/>
+          </p:spPr>
+          <p:txBody>
+            <a:bodyPr wrap="square" rtlCol="0">
+              <a:spAutoFit/>
+            </a:bodyPr>
+            <a:lstStyle/>
+            <a:p>
+              <a:r>
+                <a:rPr lang="en-US" sz="1050" b="1" dirty="0">
+                  <a:solidFill>
+                    <a:schemeClr val="tx1">
+                      <a:lumMod val="75000"/>
+                      <a:lumOff val="25000"/>
+                    </a:schemeClr>
+                  </a:solidFill>
+                </a:rPr>
+                <a:t>Bill</a:t>
+              </a:r>
+            </a:p>
+          </p:txBody>
+        </p:sp>
+      </p:grpSp>
+      <p:grpSp>
+        <p:nvGrpSpPr>
+          <p:cNvPr id="36" name="Group 35">
+            <a:extLst>
+              <a:ext uri="{FF2B5EF4-FFF2-40B4-BE49-F238E27FC236}">
+                <a16:creationId xmlns:a16="http://schemas.microsoft.com/office/drawing/2014/main" id="{DD139C30-7A5A-9048-8A48-8824A439591D}"/>
+              </a:ext>
+            </a:extLst>
+          </p:cNvPr>
+          <p:cNvGrpSpPr/>
+          <p:nvPr/>
+        </p:nvGrpSpPr>
+        <p:grpSpPr>
+          <a:xfrm>
+            <a:off x="8972549" y="3239810"/>
+            <a:ext cx="1821774" cy="882406"/>
+            <a:chOff x="8965946" y="1370926"/>
+            <a:chExt cx="1821774" cy="882406"/>
+          </a:xfrm>
+        </p:grpSpPr>
+        <p:sp>
+          <p:nvSpPr>
+            <p:cNvPr id="37" name="TextBox 36">
+              <a:extLst>
+                <a:ext uri="{FF2B5EF4-FFF2-40B4-BE49-F238E27FC236}">
+                  <a16:creationId xmlns:a16="http://schemas.microsoft.com/office/drawing/2014/main" id="{52D34C92-C273-BD43-AF2B-D756E6097325}"/>
+                </a:ext>
+              </a:extLst>
+            </p:cNvPr>
+            <p:cNvSpPr txBox="1"/>
+            <p:nvPr/>
+          </p:nvSpPr>
+          <p:spPr>
+            <a:xfrm>
+              <a:off x="8965947" y="1617668"/>
+              <a:ext cx="1814513" cy="261610"/>
+            </a:xfrm>
+            <a:prstGeom prst="rect">
+              <a:avLst/>
+            </a:prstGeom>
+            <a:noFill/>
+          </p:spPr>
+          <p:txBody>
+            <a:bodyPr wrap="square" rtlCol="0">
+              <a:spAutoFit/>
+            </a:bodyPr>
+            <a:lstStyle/>
+            <a:p>
+              <a:r>
+                <a:rPr lang="en-US" sz="1050" dirty="0">
+                  <a:solidFill>
+                    <a:schemeClr val="tx1">
+                      <a:lumMod val="75000"/>
+                      <a:lumOff val="25000"/>
+                    </a:schemeClr>
+                  </a:solidFill>
+                </a:rPr>
+                <a:t>Sales report</a:t>
+              </a:r>
+            </a:p>
+          </p:txBody>
+        </p:sp>
+        <p:cxnSp>
+          <p:nvCxnSpPr>
+            <p:cNvPr id="38" name="Straight Connector 37">
+              <a:extLst>
+                <a:ext uri="{FF2B5EF4-FFF2-40B4-BE49-F238E27FC236}">
+                  <a16:creationId xmlns:a16="http://schemas.microsoft.com/office/drawing/2014/main" id="{5C63D4AF-EB63-9D48-93D2-AE998F5501AE}"/>
+                </a:ext>
+              </a:extLst>
+            </p:cNvPr>
+            <p:cNvCxnSpPr>
+              <a:cxnSpLocks/>
+            </p:cNvCxnSpPr>
+            <p:nvPr/>
+          </p:nvCxnSpPr>
+          <p:spPr>
+            <a:xfrm>
+              <a:off x="8965946" y="1912586"/>
+              <a:ext cx="1814513" cy="0"/>
+            </a:xfrm>
+            <a:prstGeom prst="line">
+              <a:avLst/>
+            </a:prstGeom>
+            <a:ln>
+              <a:solidFill>
+                <a:schemeClr val="bg1">
+                  <a:lumMod val="85000"/>
+                </a:schemeClr>
+              </a:solidFill>
+            </a:ln>
+          </p:spPr>
+          <p:style>
+            <a:lnRef idx="1">
+              <a:schemeClr val="accent1"/>
+            </a:lnRef>
+            <a:fillRef idx="0">
+              <a:schemeClr val="accent1"/>
+            </a:fillRef>
+            <a:effectRef idx="0">
+              <a:schemeClr val="accent1"/>
+            </a:effectRef>
+            <a:fontRef idx="minor">
+              <a:schemeClr val="tx1"/>
+            </a:fontRef>
+          </p:style>
+        </p:cxnSp>
+        <p:sp>
+          <p:nvSpPr>
+            <p:cNvPr id="39" name="TextBox 38">
+              <a:extLst>
+                <a:ext uri="{FF2B5EF4-FFF2-40B4-BE49-F238E27FC236}">
+                  <a16:creationId xmlns:a16="http://schemas.microsoft.com/office/drawing/2014/main" id="{3F7FF5E7-E048-AA4E-9904-00F6E2865264}"/>
+                </a:ext>
+              </a:extLst>
+            </p:cNvPr>
+            <p:cNvSpPr txBox="1"/>
+            <p:nvPr/>
+          </p:nvSpPr>
+          <p:spPr>
+            <a:xfrm>
+              <a:off x="8972550" y="1936643"/>
+              <a:ext cx="1814513" cy="261610"/>
+            </a:xfrm>
+            <a:prstGeom prst="rect">
+              <a:avLst/>
+            </a:prstGeom>
+            <a:noFill/>
+          </p:spPr>
+          <p:txBody>
+            <a:bodyPr wrap="square" rtlCol="0">
+              <a:spAutoFit/>
+            </a:bodyPr>
+            <a:lstStyle/>
+            <a:p>
+              <a:r>
+                <a:rPr lang="en-US" sz="1050" dirty="0">
+                  <a:solidFill>
+                    <a:schemeClr val="tx1">
+                      <a:lumMod val="75000"/>
+                      <a:lumOff val="25000"/>
+                    </a:schemeClr>
+                  </a:solidFill>
+                </a:rPr>
+                <a:t>Share Report</a:t>
+              </a:r>
+            </a:p>
+          </p:txBody>
+        </p:sp>
+        <p:cxnSp>
+          <p:nvCxnSpPr>
+            <p:cNvPr id="40" name="Straight Connector 39">
+              <a:extLst>
+                <a:ext uri="{FF2B5EF4-FFF2-40B4-BE49-F238E27FC236}">
+                  <a16:creationId xmlns:a16="http://schemas.microsoft.com/office/drawing/2014/main" id="{BF33E31C-DCC2-D940-9EB9-118A1C3FA1B5}"/>
+                </a:ext>
+              </a:extLst>
+            </p:cNvPr>
+            <p:cNvCxnSpPr>
+              <a:cxnSpLocks/>
+            </p:cNvCxnSpPr>
+            <p:nvPr/>
+          </p:nvCxnSpPr>
+          <p:spPr>
+            <a:xfrm>
+              <a:off x="8972549" y="2253332"/>
+              <a:ext cx="1814513" cy="0"/>
+            </a:xfrm>
+            <a:prstGeom prst="line">
+              <a:avLst/>
+            </a:prstGeom>
+            <a:ln>
+              <a:solidFill>
+                <a:schemeClr val="bg1">
+                  <a:lumMod val="85000"/>
+                </a:schemeClr>
+              </a:solidFill>
+            </a:ln>
+          </p:spPr>
+          <p:style>
+            <a:lnRef idx="1">
+              <a:schemeClr val="accent1"/>
+            </a:lnRef>
+            <a:fillRef idx="0">
+              <a:schemeClr val="accent1"/>
+            </a:fillRef>
+            <a:effectRef idx="0">
+              <a:schemeClr val="accent1"/>
+            </a:effectRef>
+            <a:fontRef idx="minor">
+              <a:schemeClr val="tx1"/>
+            </a:fontRef>
+          </p:style>
+        </p:cxnSp>
+        <p:sp>
+          <p:nvSpPr>
+            <p:cNvPr id="41" name="TextBox 40">
+              <a:extLst>
+                <a:ext uri="{FF2B5EF4-FFF2-40B4-BE49-F238E27FC236}">
+                  <a16:creationId xmlns:a16="http://schemas.microsoft.com/office/drawing/2014/main" id="{66B759B6-9354-A74E-BCAD-E98C32A145C4}"/>
+                </a:ext>
+              </a:extLst>
+            </p:cNvPr>
+            <p:cNvSpPr txBox="1"/>
+            <p:nvPr/>
+          </p:nvSpPr>
+          <p:spPr>
+            <a:xfrm>
+              <a:off x="8973207" y="1370926"/>
+              <a:ext cx="1814513" cy="261610"/>
+            </a:xfrm>
+            <a:prstGeom prst="rect">
+              <a:avLst/>
+            </a:prstGeom>
+            <a:noFill/>
+          </p:spPr>
+          <p:txBody>
+            <a:bodyPr wrap="square" rtlCol="0">
+              <a:spAutoFit/>
+            </a:bodyPr>
+            <a:lstStyle/>
+            <a:p>
+              <a:r>
+                <a:rPr lang="en-US" sz="1050" b="1" dirty="0">
+                  <a:solidFill>
+                    <a:schemeClr val="tx1">
+                      <a:lumMod val="75000"/>
+                      <a:lumOff val="25000"/>
+                    </a:schemeClr>
+                  </a:solidFill>
+                </a:rPr>
+                <a:t>Report</a:t>
+              </a:r>
+            </a:p>
+          </p:txBody>
+        </p:sp>
+      </p:grpSp>
+      <p:sp>
+        <p:nvSpPr>
+          <p:cNvPr id="48" name="TextBox 47">
+            <a:extLst>
+              <a:ext uri="{FF2B5EF4-FFF2-40B4-BE49-F238E27FC236}">
+                <a16:creationId xmlns:a16="http://schemas.microsoft.com/office/drawing/2014/main" id="{3C9749F6-0B39-F545-AA2D-D0E1731BAE7B}"/>
+              </a:ext>
+            </a:extLst>
+          </p:cNvPr>
+          <p:cNvSpPr txBox="1"/>
+          <p:nvPr/>
+        </p:nvSpPr>
+        <p:spPr>
+          <a:xfrm>
+            <a:off x="4341587" y="1753442"/>
+            <a:ext cx="3066451" cy="215444"/>
+          </a:xfrm>
+          <a:prstGeom prst="rect">
+            <a:avLst/>
+          </a:prstGeom>
+          <a:solidFill>
+            <a:schemeClr val="bg1">
+              <a:lumMod val="95000"/>
+            </a:schemeClr>
+          </a:solidFill>
+        </p:spPr>
+        <p:txBody>
+          <a:bodyPr wrap="square" rtlCol="0">
+            <a:spAutoFit/>
+          </a:bodyPr>
+          <a:lstStyle/>
+          <a:p>
+            <a:r>
+              <a:rPr lang="en-US" sz="800" b="1" dirty="0"/>
+              <a:t>Today</a:t>
+            </a:r>
+            <a:endParaRPr lang="en-US" sz="500" b="1" dirty="0"/>
+          </a:p>
+        </p:txBody>
+      </p:sp>
+      <p:sp>
+        <p:nvSpPr>
+          <p:cNvPr id="49" name="TextBox 48">
+            <a:extLst>
+              <a:ext uri="{FF2B5EF4-FFF2-40B4-BE49-F238E27FC236}">
+                <a16:creationId xmlns:a16="http://schemas.microsoft.com/office/drawing/2014/main" id="{A6D9ECC9-FDD3-8F46-BADF-A8EA7229ABDA}"/>
+              </a:ext>
+            </a:extLst>
+          </p:cNvPr>
+          <p:cNvSpPr txBox="1"/>
+          <p:nvPr/>
+        </p:nvSpPr>
+        <p:spPr>
+          <a:xfrm>
+            <a:off x="4341587" y="1967950"/>
+            <a:ext cx="3066451" cy="492443"/>
+          </a:xfrm>
+          <a:prstGeom prst="rect">
+            <a:avLst/>
+          </a:prstGeom>
+          <a:noFill/>
+        </p:spPr>
+        <p:txBody>
+          <a:bodyPr wrap="square" rtlCol="0">
+            <a:spAutoFit/>
+          </a:bodyPr>
+          <a:lstStyle/>
+          <a:p>
+            <a:r>
+              <a:rPr lang="en-US" sz="900" dirty="0"/>
+              <a:t>Bill No: 1001</a:t>
+            </a:r>
+            <a:r>
+              <a:rPr lang="en-US" sz="1200" dirty="0"/>
+              <a:t>		                 </a:t>
+            </a:r>
+            <a:r>
+              <a:rPr lang="en-US" sz="900" dirty="0"/>
+              <a:t>12:30 PM</a:t>
+            </a:r>
+          </a:p>
+          <a:p>
+            <a:r>
+              <a:rPr lang="en-US" sz="1100" dirty="0"/>
+              <a:t>Amount</a:t>
+            </a:r>
+            <a:r>
+              <a:rPr lang="en-US" sz="1400" dirty="0"/>
+              <a:t>: </a:t>
+            </a:r>
+            <a:r>
+              <a:rPr lang="en-US" sz="1050" b="1" dirty="0"/>
+              <a:t>100.00</a:t>
+            </a:r>
+            <a:endParaRPr lang="en-US" b="1" dirty="0"/>
+          </a:p>
+        </p:txBody>
+      </p:sp>
+      <p:cxnSp>
+        <p:nvCxnSpPr>
+          <p:cNvPr id="51" name="Straight Connector 50">
+            <a:extLst>
+              <a:ext uri="{FF2B5EF4-FFF2-40B4-BE49-F238E27FC236}">
+                <a16:creationId xmlns:a16="http://schemas.microsoft.com/office/drawing/2014/main" id="{CF1E62F4-DEE7-BA4B-80F5-834B5F5B34E6}"/>
+              </a:ext>
+            </a:extLst>
+          </p:cNvPr>
+          <p:cNvCxnSpPr>
+            <a:cxnSpLocks/>
+          </p:cNvCxnSpPr>
+          <p:nvPr/>
+        </p:nvCxnSpPr>
+        <p:spPr>
+          <a:xfrm>
+            <a:off x="4341587" y="2460393"/>
+            <a:ext cx="3066451" cy="0"/>
+          </a:xfrm>
+          <a:prstGeom prst="line">
+            <a:avLst/>
+          </a:prstGeom>
+          <a:ln>
+            <a:solidFill>
+              <a:schemeClr val="bg1">
+                <a:lumMod val="85000"/>
+              </a:schemeClr>
+            </a:solidFill>
+          </a:ln>
+        </p:spPr>
+        <p:style>
+          <a:lnRef idx="1">
+            <a:schemeClr val="accent1"/>
+          </a:lnRef>
+          <a:fillRef idx="0">
+            <a:schemeClr val="accent1"/>
+          </a:fillRef>
+          <a:effectRef idx="0">
+            <a:schemeClr val="accent1"/>
+          </a:effectRef>
+          <a:fontRef idx="minor">
+            <a:schemeClr val="tx1"/>
+          </a:fontRef>
+        </p:style>
+      </p:cxnSp>
+      <p:sp>
+        <p:nvSpPr>
+          <p:cNvPr id="53" name="TextBox 52">
+            <a:extLst>
+              <a:ext uri="{FF2B5EF4-FFF2-40B4-BE49-F238E27FC236}">
+                <a16:creationId xmlns:a16="http://schemas.microsoft.com/office/drawing/2014/main" id="{57AF0C12-B5B3-2C4E-8556-111653342E35}"/>
+              </a:ext>
+            </a:extLst>
+          </p:cNvPr>
+          <p:cNvSpPr txBox="1"/>
+          <p:nvPr/>
+        </p:nvSpPr>
+        <p:spPr>
+          <a:xfrm>
+            <a:off x="4348190" y="2473389"/>
+            <a:ext cx="3066451" cy="492443"/>
+          </a:xfrm>
+          <a:prstGeom prst="rect">
+            <a:avLst/>
+          </a:prstGeom>
+          <a:noFill/>
+        </p:spPr>
+        <p:txBody>
+          <a:bodyPr wrap="square" rtlCol="0">
+            <a:spAutoFit/>
+          </a:bodyPr>
+          <a:lstStyle/>
+          <a:p>
+            <a:r>
+              <a:rPr lang="en-US" sz="900" dirty="0"/>
+              <a:t>Bill No: 1001</a:t>
+            </a:r>
+            <a:r>
+              <a:rPr lang="en-US" sz="1200" dirty="0"/>
+              <a:t>		                 </a:t>
+            </a:r>
+            <a:r>
+              <a:rPr lang="en-US" sz="900" dirty="0"/>
+              <a:t>11:30 PM</a:t>
+            </a:r>
+          </a:p>
+          <a:p>
+            <a:r>
+              <a:rPr lang="en-US" sz="1100" dirty="0"/>
+              <a:t>Amount</a:t>
+            </a:r>
+            <a:r>
+              <a:rPr lang="en-US" sz="1400" dirty="0"/>
+              <a:t>: </a:t>
+            </a:r>
+            <a:r>
+              <a:rPr lang="en-US" sz="1050" b="1" dirty="0"/>
+              <a:t>100.00</a:t>
+            </a:r>
+            <a:endParaRPr lang="en-US" b="1" dirty="0"/>
+          </a:p>
+        </p:txBody>
+      </p:sp>
+      <p:cxnSp>
+        <p:nvCxnSpPr>
+          <p:cNvPr id="54" name="Straight Connector 53">
+            <a:extLst>
+              <a:ext uri="{FF2B5EF4-FFF2-40B4-BE49-F238E27FC236}">
+                <a16:creationId xmlns:a16="http://schemas.microsoft.com/office/drawing/2014/main" id="{CE534353-8B2D-184F-900A-4DAA04C76E50}"/>
+              </a:ext>
+            </a:extLst>
+          </p:cNvPr>
+          <p:cNvCxnSpPr>
+            <a:cxnSpLocks/>
+          </p:cNvCxnSpPr>
+          <p:nvPr/>
+        </p:nvCxnSpPr>
+        <p:spPr>
+          <a:xfrm>
+            <a:off x="4348190" y="3038718"/>
+            <a:ext cx="3066451" cy="0"/>
+          </a:xfrm>
+          <a:prstGeom prst="line">
+            <a:avLst/>
+          </a:prstGeom>
+          <a:ln>
+            <a:solidFill>
+              <a:schemeClr val="bg1">
+                <a:lumMod val="85000"/>
+              </a:schemeClr>
+            </a:solidFill>
+          </a:ln>
+        </p:spPr>
+        <p:style>
+          <a:lnRef idx="1">
+            <a:schemeClr val="accent1"/>
+          </a:lnRef>
+          <a:fillRef idx="0">
+            <a:schemeClr val="accent1"/>
+          </a:fillRef>
+          <a:effectRef idx="0">
+            <a:schemeClr val="accent1"/>
+          </a:effectRef>
+          <a:fontRef idx="minor">
+            <a:schemeClr val="tx1"/>
+          </a:fontRef>
+        </p:style>
+      </p:cxnSp>
+      <p:grpSp>
+        <p:nvGrpSpPr>
+          <p:cNvPr id="61" name="Group 60">
+            <a:extLst>
+              <a:ext uri="{FF2B5EF4-FFF2-40B4-BE49-F238E27FC236}">
+                <a16:creationId xmlns:a16="http://schemas.microsoft.com/office/drawing/2014/main" id="{5F23ED2D-DBC9-5046-ACA9-D7FE6440EAA9}"/>
+              </a:ext>
+            </a:extLst>
+          </p:cNvPr>
+          <p:cNvGrpSpPr/>
+          <p:nvPr/>
+        </p:nvGrpSpPr>
+        <p:grpSpPr>
+          <a:xfrm>
+            <a:off x="4341589" y="3052157"/>
+            <a:ext cx="3073054" cy="1285276"/>
+            <a:chOff x="4341589" y="3052157"/>
+            <a:chExt cx="3073054" cy="1285276"/>
+          </a:xfrm>
+        </p:grpSpPr>
+        <p:sp>
+          <p:nvSpPr>
+            <p:cNvPr id="55" name="TextBox 54">
+              <a:extLst>
+                <a:ext uri="{FF2B5EF4-FFF2-40B4-BE49-F238E27FC236}">
+                  <a16:creationId xmlns:a16="http://schemas.microsoft.com/office/drawing/2014/main" id="{EC023BB5-DB1B-9849-880F-F9354FE0861D}"/>
+                </a:ext>
+              </a:extLst>
+            </p:cNvPr>
+            <p:cNvSpPr txBox="1"/>
+            <p:nvPr/>
+          </p:nvSpPr>
+          <p:spPr>
+            <a:xfrm>
+              <a:off x="4341589" y="3052157"/>
+              <a:ext cx="3066451" cy="215444"/>
+            </a:xfrm>
+            <a:prstGeom prst="rect">
+              <a:avLst/>
+            </a:prstGeom>
+            <a:solidFill>
+              <a:schemeClr val="bg1">
+                <a:lumMod val="95000"/>
+              </a:schemeClr>
+            </a:solidFill>
+          </p:spPr>
+          <p:txBody>
+            <a:bodyPr wrap="square" rtlCol="0">
+              <a:spAutoFit/>
+            </a:bodyPr>
+            <a:lstStyle/>
+            <a:p>
+              <a:r>
+                <a:rPr lang="en-US" sz="800" b="1" dirty="0"/>
+                <a:t>Yesterday</a:t>
+              </a:r>
+              <a:endParaRPr lang="en-US" sz="500" b="1" dirty="0"/>
+            </a:p>
+          </p:txBody>
+        </p:sp>
+        <p:sp>
+          <p:nvSpPr>
+            <p:cNvPr id="56" name="TextBox 55">
+              <a:extLst>
+                <a:ext uri="{FF2B5EF4-FFF2-40B4-BE49-F238E27FC236}">
+                  <a16:creationId xmlns:a16="http://schemas.microsoft.com/office/drawing/2014/main" id="{F3640DEB-6D5C-BA48-B9D4-1858B8C88FE5}"/>
+                </a:ext>
+              </a:extLst>
+            </p:cNvPr>
+            <p:cNvSpPr txBox="1"/>
+            <p:nvPr/>
+          </p:nvSpPr>
+          <p:spPr>
+            <a:xfrm>
+              <a:off x="4341589" y="3266665"/>
+              <a:ext cx="3066451" cy="492443"/>
+            </a:xfrm>
+            <a:prstGeom prst="rect">
+              <a:avLst/>
+            </a:prstGeom>
+            <a:noFill/>
+          </p:spPr>
+          <p:txBody>
+            <a:bodyPr wrap="square" rtlCol="0">
+              <a:spAutoFit/>
+            </a:bodyPr>
+            <a:lstStyle/>
+            <a:p>
+              <a:r>
+                <a:rPr lang="en-US" sz="900" dirty="0"/>
+                <a:t>Bill No: 1001</a:t>
+              </a:r>
+              <a:r>
+                <a:rPr lang="en-US" sz="1200" dirty="0"/>
+                <a:t>		                 </a:t>
+              </a:r>
+              <a:r>
+                <a:rPr lang="en-US" sz="900" dirty="0"/>
+                <a:t>12:30 PM</a:t>
+              </a:r>
+            </a:p>
+            <a:p>
+              <a:r>
+                <a:rPr lang="en-US" sz="1100" dirty="0"/>
+                <a:t>Amount</a:t>
+              </a:r>
+              <a:r>
+                <a:rPr lang="en-US" sz="1400" dirty="0"/>
+                <a:t>: </a:t>
+              </a:r>
+              <a:r>
+                <a:rPr lang="en-US" sz="1050" b="1" dirty="0"/>
+                <a:t>100.00</a:t>
+              </a:r>
+              <a:endParaRPr lang="en-US" b="1" dirty="0"/>
+            </a:p>
+          </p:txBody>
+        </p:sp>
+        <p:sp>
+          <p:nvSpPr>
+            <p:cNvPr id="57" name="TextBox 56">
+              <a:extLst>
+                <a:ext uri="{FF2B5EF4-FFF2-40B4-BE49-F238E27FC236}">
+                  <a16:creationId xmlns:a16="http://schemas.microsoft.com/office/drawing/2014/main" id="{50EECA55-0201-C949-AF6E-DC5924692550}"/>
+                </a:ext>
+              </a:extLst>
+            </p:cNvPr>
+            <p:cNvSpPr txBox="1"/>
+            <p:nvPr/>
+          </p:nvSpPr>
+          <p:spPr>
+            <a:xfrm>
+              <a:off x="4348192" y="3772104"/>
+              <a:ext cx="3066451" cy="492443"/>
+            </a:xfrm>
+            <a:prstGeom prst="rect">
+              <a:avLst/>
+            </a:prstGeom>
+            <a:noFill/>
+          </p:spPr>
+          <p:txBody>
+            <a:bodyPr wrap="square" rtlCol="0">
+              <a:spAutoFit/>
+            </a:bodyPr>
+            <a:lstStyle/>
+            <a:p>
+              <a:r>
+                <a:rPr lang="en-US" sz="900" dirty="0"/>
+                <a:t>Bill No: 1001</a:t>
+              </a:r>
+              <a:r>
+                <a:rPr lang="en-US" sz="1200" dirty="0"/>
+                <a:t>		                 </a:t>
+              </a:r>
+              <a:r>
+                <a:rPr lang="en-US" sz="900" dirty="0"/>
+                <a:t>11:30 PM</a:t>
+              </a:r>
+            </a:p>
+            <a:p>
+              <a:r>
+                <a:rPr lang="en-US" sz="1100" dirty="0"/>
+                <a:t>Amount</a:t>
+              </a:r>
+              <a:r>
+                <a:rPr lang="en-US" sz="1400" dirty="0"/>
+                <a:t>: </a:t>
+              </a:r>
+              <a:r>
+                <a:rPr lang="en-US" sz="1050" b="1" dirty="0"/>
+                <a:t>100.00</a:t>
+              </a:r>
+              <a:endParaRPr lang="en-US" b="1" dirty="0"/>
+            </a:p>
+          </p:txBody>
+        </p:sp>
+        <p:cxnSp>
+          <p:nvCxnSpPr>
+            <p:cNvPr id="58" name="Straight Connector 57">
+              <a:extLst>
+                <a:ext uri="{FF2B5EF4-FFF2-40B4-BE49-F238E27FC236}">
+                  <a16:creationId xmlns:a16="http://schemas.microsoft.com/office/drawing/2014/main" id="{E4BA7DCA-74C3-BA4C-9A60-1FD754C960F2}"/>
+                </a:ext>
+              </a:extLst>
+            </p:cNvPr>
+            <p:cNvCxnSpPr>
+              <a:cxnSpLocks/>
+            </p:cNvCxnSpPr>
+            <p:nvPr/>
+          </p:nvCxnSpPr>
+          <p:spPr>
+            <a:xfrm>
+              <a:off x="4348192" y="4337433"/>
+              <a:ext cx="3066451" cy="0"/>
+            </a:xfrm>
+            <a:prstGeom prst="line">
+              <a:avLst/>
+            </a:prstGeom>
+            <a:ln>
+              <a:solidFill>
+                <a:schemeClr val="bg1">
+                  <a:lumMod val="85000"/>
+                </a:schemeClr>
+              </a:solidFill>
+            </a:ln>
+          </p:spPr>
+          <p:style>
+            <a:lnRef idx="1">
+              <a:schemeClr val="accent1"/>
+            </a:lnRef>
+            <a:fillRef idx="0">
+              <a:schemeClr val="accent1"/>
+            </a:fillRef>
+            <a:effectRef idx="0">
+              <a:schemeClr val="accent1"/>
+            </a:effectRef>
+            <a:fontRef idx="minor">
+              <a:schemeClr val="tx1"/>
+            </a:fontRef>
+          </p:style>
+        </p:cxnSp>
+        <p:cxnSp>
+          <p:nvCxnSpPr>
+            <p:cNvPr id="59" name="Straight Connector 58">
+              <a:extLst>
+                <a:ext uri="{FF2B5EF4-FFF2-40B4-BE49-F238E27FC236}">
+                  <a16:creationId xmlns:a16="http://schemas.microsoft.com/office/drawing/2014/main" id="{4A3642F2-22B3-DE46-9EB3-C7F3E49268EF}"/>
+                </a:ext>
+              </a:extLst>
+            </p:cNvPr>
+            <p:cNvCxnSpPr>
+              <a:cxnSpLocks/>
+            </p:cNvCxnSpPr>
+            <p:nvPr/>
+          </p:nvCxnSpPr>
+          <p:spPr>
+            <a:xfrm>
+              <a:off x="4348190" y="3748162"/>
+              <a:ext cx="3066451" cy="0"/>
+            </a:xfrm>
+            <a:prstGeom prst="line">
+              <a:avLst/>
+            </a:prstGeom>
+            <a:ln>
+              <a:solidFill>
+                <a:schemeClr val="bg1">
+                  <a:lumMod val="85000"/>
+                </a:schemeClr>
+              </a:solidFill>
+            </a:ln>
+          </p:spPr>
+          <p:style>
+            <a:lnRef idx="1">
+              <a:schemeClr val="accent1"/>
+            </a:lnRef>
+            <a:fillRef idx="0">
+              <a:schemeClr val="accent1"/>
+            </a:fillRef>
+            <a:effectRef idx="0">
+              <a:schemeClr val="accent1"/>
+            </a:effectRef>
+            <a:fontRef idx="minor">
+              <a:schemeClr val="tx1"/>
+            </a:fontRef>
+          </p:style>
+        </p:cxnSp>
+      </p:grpSp>
+      <p:grpSp>
+        <p:nvGrpSpPr>
+          <p:cNvPr id="62" name="Group 61">
+            <a:extLst>
+              <a:ext uri="{FF2B5EF4-FFF2-40B4-BE49-F238E27FC236}">
+                <a16:creationId xmlns:a16="http://schemas.microsoft.com/office/drawing/2014/main" id="{871F8FE3-DBE3-F444-AD20-D34C7865436C}"/>
+              </a:ext>
+            </a:extLst>
+          </p:cNvPr>
+          <p:cNvGrpSpPr/>
+          <p:nvPr/>
+        </p:nvGrpSpPr>
+        <p:grpSpPr>
+          <a:xfrm>
+            <a:off x="4343420" y="4349354"/>
+            <a:ext cx="3073054" cy="1285276"/>
+            <a:chOff x="4341589" y="3052157"/>
+            <a:chExt cx="3073054" cy="1285276"/>
+          </a:xfrm>
+        </p:grpSpPr>
+        <p:sp>
+          <p:nvSpPr>
+            <p:cNvPr id="63" name="TextBox 62">
+              <a:extLst>
+                <a:ext uri="{FF2B5EF4-FFF2-40B4-BE49-F238E27FC236}">
+                  <a16:creationId xmlns:a16="http://schemas.microsoft.com/office/drawing/2014/main" id="{2E715F59-056E-7241-8866-BC7480513614}"/>
+                </a:ext>
+              </a:extLst>
+            </p:cNvPr>
+            <p:cNvSpPr txBox="1"/>
+            <p:nvPr/>
+          </p:nvSpPr>
+          <p:spPr>
+            <a:xfrm>
+              <a:off x="4341589" y="3052157"/>
+              <a:ext cx="3066451" cy="215444"/>
+            </a:xfrm>
+            <a:prstGeom prst="rect">
+              <a:avLst/>
+            </a:prstGeom>
+            <a:solidFill>
+              <a:schemeClr val="bg1">
+                <a:lumMod val="95000"/>
+              </a:schemeClr>
+            </a:solidFill>
+          </p:spPr>
+          <p:txBody>
+            <a:bodyPr wrap="square" rtlCol="0">
+              <a:spAutoFit/>
+            </a:bodyPr>
+            <a:lstStyle/>
+            <a:p>
+              <a:r>
+                <a:rPr lang="en-US" sz="800" b="1" dirty="0"/>
+                <a:t>DD-MM-YYYY</a:t>
+              </a:r>
+              <a:endParaRPr lang="en-US" sz="500" b="1" dirty="0"/>
+            </a:p>
+          </p:txBody>
+        </p:sp>
+        <p:sp>
+          <p:nvSpPr>
+            <p:cNvPr id="64" name="TextBox 63">
+              <a:extLst>
+                <a:ext uri="{FF2B5EF4-FFF2-40B4-BE49-F238E27FC236}">
+                  <a16:creationId xmlns:a16="http://schemas.microsoft.com/office/drawing/2014/main" id="{140E2903-B9B5-474E-B2D5-13261B2C25E9}"/>
+                </a:ext>
+              </a:extLst>
+            </p:cNvPr>
+            <p:cNvSpPr txBox="1"/>
+            <p:nvPr/>
+          </p:nvSpPr>
+          <p:spPr>
+            <a:xfrm>
+              <a:off x="4341589" y="3266665"/>
+              <a:ext cx="3066451" cy="492443"/>
+            </a:xfrm>
+            <a:prstGeom prst="rect">
+              <a:avLst/>
+            </a:prstGeom>
+            <a:noFill/>
+          </p:spPr>
+          <p:txBody>
+            <a:bodyPr wrap="square" rtlCol="0">
+              <a:spAutoFit/>
+            </a:bodyPr>
+            <a:lstStyle/>
+            <a:p>
+              <a:r>
+                <a:rPr lang="en-US" sz="900" dirty="0"/>
+                <a:t>Bill No: 1001</a:t>
+              </a:r>
+              <a:r>
+                <a:rPr lang="en-US" sz="1200" dirty="0"/>
+                <a:t>		                 </a:t>
+              </a:r>
+              <a:r>
+                <a:rPr lang="en-US" sz="900" dirty="0"/>
+                <a:t>12:30 PM</a:t>
+              </a:r>
+            </a:p>
+            <a:p>
+              <a:r>
+                <a:rPr lang="en-US" sz="1100" dirty="0"/>
+                <a:t>Amount</a:t>
+              </a:r>
+              <a:r>
+                <a:rPr lang="en-US" sz="1400" dirty="0"/>
+                <a:t>: </a:t>
+              </a:r>
+              <a:r>
+                <a:rPr lang="en-US" sz="1050" b="1" dirty="0"/>
+                <a:t>100.00</a:t>
+              </a:r>
+              <a:endParaRPr lang="en-US" b="1" dirty="0"/>
+            </a:p>
+          </p:txBody>
+        </p:sp>
+        <p:sp>
+          <p:nvSpPr>
+            <p:cNvPr id="65" name="TextBox 64">
+              <a:extLst>
+                <a:ext uri="{FF2B5EF4-FFF2-40B4-BE49-F238E27FC236}">
+                  <a16:creationId xmlns:a16="http://schemas.microsoft.com/office/drawing/2014/main" id="{722C8446-51CD-0740-BBF3-F8D7C8325E12}"/>
+                </a:ext>
+              </a:extLst>
+            </p:cNvPr>
+            <p:cNvSpPr txBox="1"/>
+            <p:nvPr/>
+          </p:nvSpPr>
+          <p:spPr>
+            <a:xfrm>
+              <a:off x="4348192" y="3772104"/>
+              <a:ext cx="3066451" cy="492443"/>
+            </a:xfrm>
+            <a:prstGeom prst="rect">
+              <a:avLst/>
+            </a:prstGeom>
+            <a:noFill/>
+          </p:spPr>
+          <p:txBody>
+            <a:bodyPr wrap="square" rtlCol="0">
+              <a:spAutoFit/>
+            </a:bodyPr>
+            <a:lstStyle/>
+            <a:p>
+              <a:r>
+                <a:rPr lang="en-US" sz="900" dirty="0"/>
+                <a:t>Bill No: 1001</a:t>
+              </a:r>
+              <a:r>
+                <a:rPr lang="en-US" sz="1200" dirty="0"/>
+                <a:t>		                 </a:t>
+              </a:r>
+              <a:r>
+                <a:rPr lang="en-US" sz="900" dirty="0"/>
+                <a:t>11:30 PM</a:t>
+              </a:r>
+            </a:p>
+            <a:p>
+              <a:r>
+                <a:rPr lang="en-US" sz="1100" dirty="0"/>
+                <a:t>Amount</a:t>
+              </a:r>
+              <a:r>
+                <a:rPr lang="en-US" sz="1400" dirty="0"/>
+                <a:t>: </a:t>
+              </a:r>
+              <a:r>
+                <a:rPr lang="en-US" sz="1050" b="1" dirty="0"/>
+                <a:t>100.00</a:t>
+              </a:r>
+              <a:endParaRPr lang="en-US" b="1" dirty="0"/>
+            </a:p>
+          </p:txBody>
+        </p:sp>
+        <p:cxnSp>
+          <p:nvCxnSpPr>
+            <p:cNvPr id="66" name="Straight Connector 65">
+              <a:extLst>
+                <a:ext uri="{FF2B5EF4-FFF2-40B4-BE49-F238E27FC236}">
+                  <a16:creationId xmlns:a16="http://schemas.microsoft.com/office/drawing/2014/main" id="{C8E79A5E-5E7F-BC4D-9A88-BAE5DB106BCB}"/>
+                </a:ext>
+              </a:extLst>
+            </p:cNvPr>
+            <p:cNvCxnSpPr>
+              <a:cxnSpLocks/>
+            </p:cNvCxnSpPr>
+            <p:nvPr/>
+          </p:nvCxnSpPr>
+          <p:spPr>
+            <a:xfrm>
+              <a:off x="4348192" y="4337433"/>
+              <a:ext cx="3066451" cy="0"/>
+            </a:xfrm>
+            <a:prstGeom prst="line">
+              <a:avLst/>
+            </a:prstGeom>
+            <a:ln>
+              <a:solidFill>
+                <a:schemeClr val="bg1">
+                  <a:lumMod val="85000"/>
+                </a:schemeClr>
+              </a:solidFill>
+            </a:ln>
+          </p:spPr>
+          <p:style>
+            <a:lnRef idx="1">
+              <a:schemeClr val="accent1"/>
+            </a:lnRef>
+            <a:fillRef idx="0">
+              <a:schemeClr val="accent1"/>
+            </a:fillRef>
+            <a:effectRef idx="0">
+              <a:schemeClr val="accent1"/>
+            </a:effectRef>
+            <a:fontRef idx="minor">
+              <a:schemeClr val="tx1"/>
+            </a:fontRef>
+          </p:style>
+        </p:cxnSp>
+        <p:cxnSp>
+          <p:nvCxnSpPr>
+            <p:cNvPr id="67" name="Straight Connector 66">
+              <a:extLst>
+                <a:ext uri="{FF2B5EF4-FFF2-40B4-BE49-F238E27FC236}">
+                  <a16:creationId xmlns:a16="http://schemas.microsoft.com/office/drawing/2014/main" id="{79A25804-72C5-D54A-A06F-AC20EF765F9D}"/>
+                </a:ext>
+              </a:extLst>
+            </p:cNvPr>
+            <p:cNvCxnSpPr>
+              <a:cxnSpLocks/>
+            </p:cNvCxnSpPr>
+            <p:nvPr/>
+          </p:nvCxnSpPr>
+          <p:spPr>
+            <a:xfrm>
+              <a:off x="4348190" y="3748162"/>
+              <a:ext cx="3066451" cy="0"/>
+            </a:xfrm>
+            <a:prstGeom prst="line">
+              <a:avLst/>
+            </a:prstGeom>
+            <a:ln>
+              <a:solidFill>
+                <a:schemeClr val="bg1">
+                  <a:lumMod val="85000"/>
+                </a:schemeClr>
+              </a:solidFill>
+            </a:ln>
+          </p:spPr>
+          <p:style>
+            <a:lnRef idx="1">
+              <a:schemeClr val="accent1"/>
+            </a:lnRef>
+            <a:fillRef idx="0">
+              <a:schemeClr val="accent1"/>
+            </a:fillRef>
+            <a:effectRef idx="0">
+              <a:schemeClr val="accent1"/>
+            </a:effectRef>
+            <a:fontRef idx="minor">
+              <a:schemeClr val="tx1"/>
+            </a:fontRef>
+          </p:style>
+        </p:cxnSp>
+      </p:grpSp>
+      <p:sp>
+        <p:nvSpPr>
+          <p:cNvPr id="68" name="TextBox 67">
+            <a:extLst>
+              <a:ext uri="{FF2B5EF4-FFF2-40B4-BE49-F238E27FC236}">
+                <a16:creationId xmlns:a16="http://schemas.microsoft.com/office/drawing/2014/main" id="{0874BBA4-71D1-CC48-A237-4BE6A8638985}"/>
+              </a:ext>
+            </a:extLst>
+          </p:cNvPr>
+          <p:cNvSpPr txBox="1"/>
+          <p:nvPr/>
+        </p:nvSpPr>
+        <p:spPr>
+          <a:xfrm>
+            <a:off x="4340259" y="1035538"/>
+            <a:ext cx="3059848" cy="307777"/>
+          </a:xfrm>
+          <a:prstGeom prst="rect">
+            <a:avLst/>
+          </a:prstGeom>
+          <a:noFill/>
+        </p:spPr>
+        <p:txBody>
+          <a:bodyPr wrap="square" rtlCol="0">
+            <a:spAutoFit/>
+          </a:bodyPr>
+          <a:lstStyle/>
+          <a:p>
+            <a:r>
+              <a:rPr lang="en-US" sz="1400" dirty="0">
+                <a:solidFill>
+                  <a:schemeClr val="bg1">
+                    <a:lumMod val="95000"/>
+                  </a:schemeClr>
+                </a:solidFill>
+              </a:rPr>
+              <a:t> =  Bill Manager	           </a:t>
+            </a:r>
+            <a:r>
+              <a:rPr lang="en-US" sz="1100" b="1" dirty="0">
+                <a:solidFill>
+                  <a:schemeClr val="bg1">
+                    <a:lumMod val="95000"/>
+                  </a:schemeClr>
+                </a:solidFill>
+              </a:rPr>
+              <a:t>Add Bill</a:t>
+            </a:r>
+            <a:endParaRPr lang="en-US" sz="1400" b="1" dirty="0">
+              <a:solidFill>
+                <a:schemeClr val="bg1">
+                  <a:lumMod val="95000"/>
+                </a:schemeClr>
+              </a:solidFill>
+            </a:endParaRPr>
+          </a:p>
+        </p:txBody>
+      </p:sp>
+      <p:sp>
+        <p:nvSpPr>
+          <p:cNvPr id="69" name="TextBox 68">
+            <a:extLst>
+              <a:ext uri="{FF2B5EF4-FFF2-40B4-BE49-F238E27FC236}">
+                <a16:creationId xmlns:a16="http://schemas.microsoft.com/office/drawing/2014/main" id="{02E6A9D4-2B96-A744-A4DB-A1F6C648AB12}"/>
+              </a:ext>
+            </a:extLst>
+          </p:cNvPr>
+          <p:cNvSpPr txBox="1"/>
+          <p:nvPr/>
+        </p:nvSpPr>
+        <p:spPr>
+          <a:xfrm>
+            <a:off x="4337385" y="1420844"/>
+            <a:ext cx="3059848" cy="307777"/>
+          </a:xfrm>
+          <a:prstGeom prst="rect">
+            <a:avLst/>
+          </a:prstGeom>
+          <a:noFill/>
+        </p:spPr>
+        <p:txBody>
+          <a:bodyPr wrap="square" rtlCol="0">
+            <a:spAutoFit/>
+          </a:bodyPr>
+          <a:lstStyle/>
+          <a:p>
+            <a:pPr algn="ctr"/>
+            <a:r>
+              <a:rPr lang="en-US" sz="1400" b="1" dirty="0">
+                <a:solidFill>
+                  <a:schemeClr val="bg1">
+                    <a:lumMod val="95000"/>
+                  </a:schemeClr>
+                </a:solidFill>
+              </a:rPr>
+              <a:t>Total Bills 2 - Amount : 200.00</a:t>
+            </a:r>
+          </a:p>
+        </p:txBody>
+      </p:sp>
+    </p:spTree>
+    <p:extLst>
+      <p:ext uri="{BB962C8B-B14F-4D97-AF65-F5344CB8AC3E}">
+        <p14:creationId xmlns:p14="http://schemas.microsoft.com/office/powerpoint/2010/main" val="4024577063"/>
+      </p:ext>
+    </p:extLst>
+  </p:cSld>
+  <p:clrMapOvr>
+    <a:masterClrMapping/>
+  </p:clrMapOvr>
+</p:sld>
+</file>
+
 <file path=ppt/theme/theme1.xml><?xml version="1.0" encoding="utf-8"?>
 <a:theme xmlns:a="http://schemas.openxmlformats.org/drawingml/2006/main" name="Office Theme">
   <a:themeElements>
